--- a/docs/CSE222A_Poster_final.pptx
+++ b/docs/CSE222A_Poster_final.pptx
@@ -4016,19 +4016,27 @@
               <a:buChar char="•"/>
             </a:pPr>
             <a:r>
-              <a:rPr lang="en-US" sz="4400" dirty="0"/>
+              <a:rPr lang="en-US" sz="4400" dirty="0">
+                <a:latin typeface="Franklin Gothic Book" panose="020B0503020102020204" pitchFamily="34" charset="0"/>
+              </a:rPr>
               <a:t>Conduct experiments beyond the two </a:t>
             </a:r>
             <a:r>
-              <a:rPr lang="en-US" sz="4400" dirty="0" err="1"/>
+              <a:rPr lang="en-US" sz="4400" dirty="0" err="1">
+                <a:latin typeface="Franklin Gothic Book" panose="020B0503020102020204" pitchFamily="34" charset="0"/>
+              </a:rPr>
               <a:t>coflow</a:t>
             </a:r>
             <a:r>
-              <a:rPr lang="en-US" sz="4400" dirty="0"/>
+              <a:rPr lang="en-US" sz="4400" dirty="0">
+                <a:latin typeface="Franklin Gothic Book" panose="020B0503020102020204" pitchFamily="34" charset="0"/>
+              </a:rPr>
               <a:t> </a:t>
             </a:r>
             <a:r>
-              <a:rPr lang="en-US" sz="4400" dirty="0" smtClean="0"/>
+              <a:rPr lang="en-US" sz="4400" dirty="0" smtClean="0">
+                <a:latin typeface="Franklin Gothic Book" panose="020B0503020102020204" pitchFamily="34" charset="0"/>
+              </a:rPr>
               <a:t>example.</a:t>
             </a:r>
           </a:p>
@@ -4038,15 +4046,21 @@
               <a:buChar char="•"/>
             </a:pPr>
             <a:r>
-              <a:rPr lang="en-US" sz="4400" dirty="0" smtClean="0"/>
+              <a:rPr lang="en-US" sz="4400" dirty="0" smtClean="0">
+                <a:latin typeface="Franklin Gothic Book" panose="020B0503020102020204" pitchFamily="34" charset="0"/>
+              </a:rPr>
               <a:t>More </a:t>
             </a:r>
             <a:r>
-              <a:rPr lang="en-US" sz="4400" dirty="0"/>
+              <a:rPr lang="en-US" sz="4400" dirty="0">
+                <a:latin typeface="Franklin Gothic Book" panose="020B0503020102020204" pitchFamily="34" charset="0"/>
+              </a:rPr>
               <a:t>real-time approach for multi-threading socket level packet </a:t>
             </a:r>
             <a:r>
-              <a:rPr lang="en-US" sz="4400" dirty="0" smtClean="0"/>
+              <a:rPr lang="en-US" sz="4400" dirty="0" smtClean="0">
+                <a:latin typeface="Franklin Gothic Book" panose="020B0503020102020204" pitchFamily="34" charset="0"/>
+              </a:rPr>
               <a:t>transfers.</a:t>
             </a:r>
           </a:p>
@@ -4056,15 +4070,19 @@
               <a:buChar char="•"/>
             </a:pPr>
             <a:r>
-              <a:rPr lang="en-US" sz="4400" dirty="0" smtClean="0"/>
+              <a:rPr lang="en-US" sz="4400" dirty="0" smtClean="0">
+                <a:latin typeface="Franklin Gothic Book" panose="020B0503020102020204" pitchFamily="34" charset="0"/>
+              </a:rPr>
               <a:t>Take </a:t>
             </a:r>
             <a:r>
-              <a:rPr lang="en-US" sz="4400" dirty="0"/>
+              <a:rPr lang="en-US" sz="4400" dirty="0">
+                <a:latin typeface="Franklin Gothic Book" panose="020B0503020102020204" pitchFamily="34" charset="0"/>
+              </a:rPr>
               <a:t>full advantage of multiple equal cost paths available in fat-tree topology.</a:t>
             </a:r>
             <a:endParaRPr lang="en-US" sz="4400" dirty="0">
-              <a:latin typeface="Franklin Gothic Book"/>
+              <a:latin typeface="Franklin Gothic Book" panose="020B0503020102020204" pitchFamily="34" charset="0"/>
               <a:cs typeface="Franklin Gothic Book"/>
             </a:endParaRPr>
           </a:p>
@@ -6553,31 +6571,45 @@
               <a:buChar char="•"/>
             </a:pPr>
             <a:r>
-              <a:rPr lang="en-US" sz="4400" dirty="0" smtClean="0"/>
+              <a:rPr lang="en-US" sz="4400" dirty="0" smtClean="0">
+                <a:latin typeface="Franklin Gothic Book" panose="020B0503020102020204" pitchFamily="34" charset="0"/>
+              </a:rPr>
               <a:t>We </a:t>
             </a:r>
             <a:r>
-              <a:rPr lang="en-US" sz="4400" dirty="0"/>
+              <a:rPr lang="en-US" sz="4400" dirty="0">
+                <a:latin typeface="Franklin Gothic Book" panose="020B0503020102020204" pitchFamily="34" charset="0"/>
+              </a:rPr>
               <a:t>expected CCT’s for smaller </a:t>
             </a:r>
             <a:r>
-              <a:rPr lang="en-US" sz="4400" dirty="0" err="1"/>
+              <a:rPr lang="en-US" sz="4400" dirty="0" err="1">
+                <a:latin typeface="Franklin Gothic Book" panose="020B0503020102020204" pitchFamily="34" charset="0"/>
+              </a:rPr>
               <a:t>coflows</a:t>
             </a:r>
             <a:r>
-              <a:rPr lang="en-US" sz="4400" dirty="0"/>
+              <a:rPr lang="en-US" sz="4400" dirty="0">
+                <a:latin typeface="Franklin Gothic Book" panose="020B0503020102020204" pitchFamily="34" charset="0"/>
+              </a:rPr>
               <a:t> to be delayed gradually when number of unlabeled flows within larger </a:t>
             </a:r>
             <a:r>
-              <a:rPr lang="en-US" sz="4400" dirty="0" err="1"/>
+              <a:rPr lang="en-US" sz="4400" dirty="0" err="1">
+                <a:latin typeface="Franklin Gothic Book" panose="020B0503020102020204" pitchFamily="34" charset="0"/>
+              </a:rPr>
               <a:t>coflows</a:t>
             </a:r>
             <a:r>
-              <a:rPr lang="en-US" sz="4400" dirty="0"/>
+              <a:rPr lang="en-US" sz="4400" dirty="0">
+                <a:latin typeface="Franklin Gothic Book" panose="020B0503020102020204" pitchFamily="34" charset="0"/>
+              </a:rPr>
               <a:t> were </a:t>
             </a:r>
             <a:r>
-              <a:rPr lang="en-US" sz="4400" dirty="0" smtClean="0"/>
+              <a:rPr lang="en-US" sz="4400" dirty="0" smtClean="0">
+                <a:latin typeface="Franklin Gothic Book" panose="020B0503020102020204" pitchFamily="34" charset="0"/>
+              </a:rPr>
               <a:t>increased</a:t>
             </a:r>
           </a:p>
@@ -6587,23 +6619,33 @@
               <a:buChar char="•"/>
             </a:pPr>
             <a:r>
-              <a:rPr lang="en-US" sz="4400" dirty="0" smtClean="0"/>
+              <a:rPr lang="en-US" sz="4400" dirty="0" smtClean="0">
+                <a:latin typeface="Franklin Gothic Book" panose="020B0503020102020204" pitchFamily="34" charset="0"/>
+              </a:rPr>
               <a:t>Results </a:t>
             </a:r>
             <a:r>
-              <a:rPr lang="en-US" sz="4400" dirty="0"/>
+              <a:rPr lang="en-US" sz="4400" dirty="0">
+                <a:latin typeface="Franklin Gothic Book" panose="020B0503020102020204" pitchFamily="34" charset="0"/>
+              </a:rPr>
               <a:t>showed sharp increase in the CCT’s of smaller </a:t>
             </a:r>
             <a:r>
-              <a:rPr lang="en-US" sz="4400" dirty="0" err="1"/>
+              <a:rPr lang="en-US" sz="4400" dirty="0" err="1">
+                <a:latin typeface="Franklin Gothic Book" panose="020B0503020102020204" pitchFamily="34" charset="0"/>
+              </a:rPr>
               <a:t>coflows</a:t>
             </a:r>
             <a:r>
-              <a:rPr lang="en-US" sz="4400" dirty="0"/>
+              <a:rPr lang="en-US" sz="4400" dirty="0">
+                <a:latin typeface="Franklin Gothic Book" panose="020B0503020102020204" pitchFamily="34" charset="0"/>
+              </a:rPr>
               <a:t> for first insertion of unlabeled flow, after which it levelled off for additional unlabeled larger </a:t>
             </a:r>
             <a:r>
-              <a:rPr lang="en-US" sz="4400" dirty="0" smtClean="0"/>
+              <a:rPr lang="en-US" sz="4400" dirty="0" smtClean="0">
+                <a:latin typeface="Franklin Gothic Book" panose="020B0503020102020204" pitchFamily="34" charset="0"/>
+              </a:rPr>
               <a:t>flows.</a:t>
             </a:r>
           </a:p>
@@ -6613,31 +6655,43 @@
               <a:buChar char="•"/>
             </a:pPr>
             <a:r>
-              <a:rPr lang="en-US" sz="4400" dirty="0" smtClean="0"/>
+              <a:rPr lang="en-US" sz="4400" dirty="0" smtClean="0">
+                <a:latin typeface="Franklin Gothic Book" panose="020B0503020102020204" pitchFamily="34" charset="0"/>
+              </a:rPr>
               <a:t>Multi-threading </a:t>
             </a:r>
             <a:r>
-              <a:rPr lang="en-US" sz="4400" dirty="0"/>
+              <a:rPr lang="en-US" sz="4400" dirty="0">
+                <a:latin typeface="Franklin Gothic Book" panose="020B0503020102020204" pitchFamily="34" charset="0"/>
+              </a:rPr>
               <a:t>based solution coupled with many software abstractions (JVM, </a:t>
             </a:r>
             <a:r>
-              <a:rPr lang="en-US" sz="4400" dirty="0" err="1"/>
+              <a:rPr lang="en-US" sz="4400" dirty="0" err="1">
+                <a:latin typeface="Franklin Gothic Book" panose="020B0503020102020204" pitchFamily="34" charset="0"/>
+              </a:rPr>
               <a:t>Mininet</a:t>
             </a:r>
             <a:r>
-              <a:rPr lang="en-US" sz="4400" dirty="0"/>
+              <a:rPr lang="en-US" sz="4400" dirty="0">
+                <a:latin typeface="Franklin Gothic Book" panose="020B0503020102020204" pitchFamily="34" charset="0"/>
+              </a:rPr>
               <a:t>, Docker) resulted in increased aberrations.</a:t>
             </a:r>
             <a:r>
-              <a:rPr lang="en-US" sz="4400" dirty="0" smtClean="0"/>
+              <a:rPr lang="en-US" sz="4400" dirty="0" smtClean="0">
+                <a:latin typeface="Franklin Gothic Book" panose="020B0503020102020204" pitchFamily="34" charset="0"/>
+              </a:rPr>
               <a:t>in </a:t>
             </a:r>
             <a:r>
-              <a:rPr lang="en-US" sz="4400" dirty="0"/>
+              <a:rPr lang="en-US" sz="4400" dirty="0">
+                <a:latin typeface="Franklin Gothic Book" panose="020B0503020102020204" pitchFamily="34" charset="0"/>
+              </a:rPr>
               <a:t>fat-tree topology.</a:t>
             </a:r>
             <a:endParaRPr lang="en-US" sz="4400" dirty="0" smtClean="0">
-              <a:latin typeface="Franklin Gothic Book"/>
+              <a:latin typeface="Franklin Gothic Book" panose="020B0503020102020204" pitchFamily="34" charset="0"/>
               <a:cs typeface="Franklin Gothic Book"/>
             </a:endParaRPr>
           </a:p>
